--- a/docs/diagrams/DeleteEventCommandSequenceDiagram.pptx
+++ b/docs/diagrams/DeleteEventCommandSequenceDiagram.pptx
@@ -5,7 +5,7 @@
     <p:sldMasterId id="2147483648" r:id="rId1"/>
   </p:sldMasterIdLst>
   <p:sldIdLst>
-    <p:sldId id="256" r:id="rId2"/>
+    <p:sldId id="257" r:id="rId2"/>
   </p:sldIdLst>
   <p:sldSz cx="9144000" cy="6858000" type="screen4x3"/>
   <p:notesSz cx="6858000" cy="9144000"/>
@@ -305,7 +305,7 @@
             <a:fld id="{8151F6BF-3986-48D8-86F9-857EFF229DCD}" type="datetimeFigureOut">
               <a:rPr lang="en-SG" smtClean="0"/>
               <a:pPr/>
-              <a:t>4/4/2018</a:t>
+              <a:t>14/4/2018</a:t>
             </a:fld>
             <a:endParaRPr lang="en-SG"/>
           </a:p>
@@ -472,7 +472,7 @@
             <a:fld id="{8151F6BF-3986-48D8-86F9-857EFF229DCD}" type="datetimeFigureOut">
               <a:rPr lang="en-SG" smtClean="0"/>
               <a:pPr/>
-              <a:t>4/4/2018</a:t>
+              <a:t>14/4/2018</a:t>
             </a:fld>
             <a:endParaRPr lang="en-SG"/>
           </a:p>
@@ -649,7 +649,7 @@
             <a:fld id="{8151F6BF-3986-48D8-86F9-857EFF229DCD}" type="datetimeFigureOut">
               <a:rPr lang="en-SG" smtClean="0"/>
               <a:pPr/>
-              <a:t>4/4/2018</a:t>
+              <a:t>14/4/2018</a:t>
             </a:fld>
             <a:endParaRPr lang="en-SG"/>
           </a:p>
@@ -816,7 +816,7 @@
             <a:fld id="{8151F6BF-3986-48D8-86F9-857EFF229DCD}" type="datetimeFigureOut">
               <a:rPr lang="en-SG" smtClean="0"/>
               <a:pPr/>
-              <a:t>4/4/2018</a:t>
+              <a:t>14/4/2018</a:t>
             </a:fld>
             <a:endParaRPr lang="en-SG"/>
           </a:p>
@@ -1059,7 +1059,7 @@
             <a:fld id="{8151F6BF-3986-48D8-86F9-857EFF229DCD}" type="datetimeFigureOut">
               <a:rPr lang="en-SG" smtClean="0"/>
               <a:pPr/>
-              <a:t>4/4/2018</a:t>
+              <a:t>14/4/2018</a:t>
             </a:fld>
             <a:endParaRPr lang="en-SG"/>
           </a:p>
@@ -1344,7 +1344,7 @@
             <a:fld id="{8151F6BF-3986-48D8-86F9-857EFF229DCD}" type="datetimeFigureOut">
               <a:rPr lang="en-SG" smtClean="0"/>
               <a:pPr/>
-              <a:t>4/4/2018</a:t>
+              <a:t>14/4/2018</a:t>
             </a:fld>
             <a:endParaRPr lang="en-SG"/>
           </a:p>
@@ -1763,7 +1763,7 @@
             <a:fld id="{8151F6BF-3986-48D8-86F9-857EFF229DCD}" type="datetimeFigureOut">
               <a:rPr lang="en-SG" smtClean="0"/>
               <a:pPr/>
-              <a:t>4/4/2018</a:t>
+              <a:t>14/4/2018</a:t>
             </a:fld>
             <a:endParaRPr lang="en-SG"/>
           </a:p>
@@ -1878,7 +1878,7 @@
             <a:fld id="{8151F6BF-3986-48D8-86F9-857EFF229DCD}" type="datetimeFigureOut">
               <a:rPr lang="en-SG" smtClean="0"/>
               <a:pPr/>
-              <a:t>4/4/2018</a:t>
+              <a:t>14/4/2018</a:t>
             </a:fld>
             <a:endParaRPr lang="en-SG"/>
           </a:p>
@@ -1970,7 +1970,7 @@
             <a:fld id="{8151F6BF-3986-48D8-86F9-857EFF229DCD}" type="datetimeFigureOut">
               <a:rPr lang="en-SG" smtClean="0"/>
               <a:pPr/>
-              <a:t>4/4/2018</a:t>
+              <a:t>14/4/2018</a:t>
             </a:fld>
             <a:endParaRPr lang="en-SG"/>
           </a:p>
@@ -2244,7 +2244,7 @@
             <a:fld id="{8151F6BF-3986-48D8-86F9-857EFF229DCD}" type="datetimeFigureOut">
               <a:rPr lang="en-SG" smtClean="0"/>
               <a:pPr/>
-              <a:t>4/4/2018</a:t>
+              <a:t>14/4/2018</a:t>
             </a:fld>
             <a:endParaRPr lang="en-SG"/>
           </a:p>
@@ -2494,7 +2494,7 @@
             <a:fld id="{8151F6BF-3986-48D8-86F9-857EFF229DCD}" type="datetimeFigureOut">
               <a:rPr lang="en-SG" smtClean="0"/>
               <a:pPr/>
-              <a:t>4/4/2018</a:t>
+              <a:t>14/4/2018</a:t>
             </a:fld>
             <a:endParaRPr lang="en-SG"/>
           </a:p>
@@ -2704,7 +2704,7 @@
             <a:fld id="{8151F6BF-3986-48D8-86F9-857EFF229DCD}" type="datetimeFigureOut">
               <a:rPr lang="en-SG" smtClean="0"/>
               <a:pPr/>
-              <a:t>4/4/2018</a:t>
+              <a:t>14/4/2018</a:t>
             </a:fld>
             <a:endParaRPr lang="en-SG"/>
           </a:p>
@@ -3077,14 +3077,20 @@
       </p:grpSpPr>
       <p:sp>
         <p:nvSpPr>
-          <p:cNvPr id="43" name="Rectangle 65"/>
+          <p:cNvPr id="4" name="Rectangle 65">
+            <a:extLst>
+              <a:ext uri="{FF2B5EF4-FFF2-40B4-BE49-F238E27FC236}">
+                <a16:creationId xmlns:a16="http://schemas.microsoft.com/office/drawing/2014/main" id="{1BF2E5E9-737F-422B-93E5-1C336BA0F134}"/>
+              </a:ext>
+            </a:extLst>
+          </p:cNvPr>
           <p:cNvSpPr/>
           <p:nvPr/>
         </p:nvSpPr>
         <p:spPr>
           <a:xfrm>
-            <a:off x="683568" y="1196752"/>
-            <a:ext cx="7550974" cy="4343400"/>
+            <a:off x="196545" y="764704"/>
+            <a:ext cx="8784976" cy="5112568"/>
           </a:xfrm>
           <a:prstGeom prst="roundRect">
             <a:avLst>
@@ -3232,13 +3238,19 @@
       </p:sp>
       <p:sp>
         <p:nvSpPr>
-          <p:cNvPr id="44" name="Rectangle 43"/>
+          <p:cNvPr id="5" name="Rectangle 4">
+            <a:extLst>
+              <a:ext uri="{FF2B5EF4-FFF2-40B4-BE49-F238E27FC236}">
+                <a16:creationId xmlns:a16="http://schemas.microsoft.com/office/drawing/2014/main" id="{0087E12E-B87C-4A66-BF14-01CE2CDFCA92}"/>
+              </a:ext>
+            </a:extLst>
+          </p:cNvPr>
           <p:cNvSpPr/>
           <p:nvPr/>
         </p:nvSpPr>
         <p:spPr>
           <a:xfrm>
-            <a:off x="1027766" y="1521797"/>
+            <a:off x="465634" y="1161116"/>
             <a:ext cx="1455629" cy="346760"/>
           </a:xfrm>
           <a:prstGeom prst="rect">
@@ -3373,15 +3385,7 @@
                   <a:schemeClr val="bg1"/>
                 </a:solidFill>
               </a:rPr>
-              <a:t>:</a:t>
-            </a:r>
-            <a:r>
-              <a:rPr lang="en-US" sz="1600" dirty="0" err="1">
-                <a:solidFill>
-                  <a:schemeClr val="bg1"/>
-                </a:solidFill>
-              </a:rPr>
-              <a:t>LogicManager</a:t>
+              <a:t>:LogicManager</a:t>
             </a:r>
             <a:endParaRPr lang="en-SG" sz="1600" dirty="0">
               <a:solidFill>
@@ -3393,7 +3397,13 @@
       </p:sp>
       <p:cxnSp>
         <p:nvCxnSpPr>
-          <p:cNvPr id="45" name="Straight Connector 44"/>
+          <p:cNvPr id="6" name="Straight Connector 5">
+            <a:extLst>
+              <a:ext uri="{FF2B5EF4-FFF2-40B4-BE49-F238E27FC236}">
+                <a16:creationId xmlns:a16="http://schemas.microsoft.com/office/drawing/2014/main" id="{0297CFAD-B5E5-4690-95F8-6FAD64D20484}"/>
+              </a:ext>
+            </a:extLst>
+          </p:cNvPr>
           <p:cNvCxnSpPr>
             <a:cxnSpLocks/>
           </p:cNvCxnSpPr>
@@ -3401,8 +3411,8 @@
         </p:nvCxnSpPr>
         <p:spPr>
           <a:xfrm>
-            <a:off x="1755580" y="1885468"/>
-            <a:ext cx="0" cy="3481399"/>
+            <a:off x="1193448" y="1449280"/>
+            <a:ext cx="0" cy="4248000"/>
           </a:xfrm>
           <a:prstGeom prst="line">
             <a:avLst/>
@@ -3432,14 +3442,20 @@
       </p:cxnSp>
       <p:sp>
         <p:nvSpPr>
-          <p:cNvPr id="46" name="Rectangle 45"/>
+          <p:cNvPr id="7" name="Rectangle 6">
+            <a:extLst>
+              <a:ext uri="{FF2B5EF4-FFF2-40B4-BE49-F238E27FC236}">
+                <a16:creationId xmlns:a16="http://schemas.microsoft.com/office/drawing/2014/main" id="{DFC18715-9017-4E4B-9B55-81EC79D6BD04}"/>
+              </a:ext>
+            </a:extLst>
+          </p:cNvPr>
           <p:cNvSpPr/>
           <p:nvPr/>
         </p:nvSpPr>
         <p:spPr>
           <a:xfrm>
-            <a:off x="1683572" y="2236162"/>
-            <a:ext cx="152400" cy="2932689"/>
+            <a:off x="1121440" y="2010438"/>
+            <a:ext cx="152400" cy="3463200"/>
           </a:xfrm>
           <a:prstGeom prst="rect">
             <a:avLst/>
@@ -3573,13 +3589,19 @@
       </p:sp>
       <p:sp>
         <p:nvSpPr>
-          <p:cNvPr id="47" name="Rectangle 46"/>
+          <p:cNvPr id="8" name="Rectangle 7">
+            <a:extLst>
+              <a:ext uri="{FF2B5EF4-FFF2-40B4-BE49-F238E27FC236}">
+                <a16:creationId xmlns:a16="http://schemas.microsoft.com/office/drawing/2014/main" id="{EFC01A31-89D1-4215-AE06-7CEE8E80A3FC}"/>
+              </a:ext>
+            </a:extLst>
+          </p:cNvPr>
           <p:cNvSpPr/>
           <p:nvPr/>
         </p:nvSpPr>
         <p:spPr>
           <a:xfrm>
-            <a:off x="3732387" y="1400873"/>
+            <a:off x="2542249" y="1161116"/>
             <a:ext cx="1219200" cy="467684"/>
           </a:xfrm>
           <a:prstGeom prst="rect">
@@ -3720,7 +3742,7 @@
           <a:p>
             <a:pPr algn="ctr"/>
             <a:r>
-              <a:rPr lang="en-US" sz="1600" dirty="0" err="1">
+              <a:rPr lang="en-US" sz="1600" dirty="0">
                 <a:solidFill>
                   <a:schemeClr val="bg1"/>
                 </a:solidFill>
@@ -3737,7 +3759,13 @@
       </p:sp>
       <p:cxnSp>
         <p:nvCxnSpPr>
-          <p:cNvPr id="48" name="Straight Connector 47"/>
+          <p:cNvPr id="9" name="Straight Connector 8">
+            <a:extLst>
+              <a:ext uri="{FF2B5EF4-FFF2-40B4-BE49-F238E27FC236}">
+                <a16:creationId xmlns:a16="http://schemas.microsoft.com/office/drawing/2014/main" id="{6B8FD4C7-4BBF-4340-B6F1-779E36CB14EA}"/>
+              </a:ext>
+            </a:extLst>
+          </p:cNvPr>
           <p:cNvCxnSpPr>
             <a:cxnSpLocks/>
           </p:cNvCxnSpPr>
@@ -3745,8 +3773,8 @@
         </p:nvCxnSpPr>
         <p:spPr>
           <a:xfrm>
-            <a:off x="4345786" y="1885468"/>
-            <a:ext cx="0" cy="1482984"/>
+            <a:off x="3078704" y="1593112"/>
+            <a:ext cx="0" cy="2448000"/>
           </a:xfrm>
           <a:prstGeom prst="line">
             <a:avLst/>
@@ -3776,14 +3804,20 @@
       </p:cxnSp>
       <p:sp>
         <p:nvSpPr>
-          <p:cNvPr id="49" name="Rectangle 48"/>
+          <p:cNvPr id="10" name="Rectangle 9">
+            <a:extLst>
+              <a:ext uri="{FF2B5EF4-FFF2-40B4-BE49-F238E27FC236}">
+                <a16:creationId xmlns:a16="http://schemas.microsoft.com/office/drawing/2014/main" id="{2E0BAA83-641F-47E6-824E-B22A2469D6C1}"/>
+              </a:ext>
+            </a:extLst>
+          </p:cNvPr>
           <p:cNvSpPr/>
           <p:nvPr/>
         </p:nvSpPr>
         <p:spPr>
           <a:xfrm>
-            <a:off x="4273779" y="2343661"/>
-            <a:ext cx="154408" cy="767790"/>
+            <a:off x="3006697" y="2087505"/>
+            <a:ext cx="154408" cy="1728000"/>
           </a:xfrm>
           <a:prstGeom prst="rect">
             <a:avLst/>
@@ -3921,17 +3955,22 @@
       </p:sp>
       <p:cxnSp>
         <p:nvCxnSpPr>
-          <p:cNvPr id="50" name="Straight Connector 49"/>
+          <p:cNvPr id="11" name="Straight Connector 10">
+            <a:extLst>
+              <a:ext uri="{FF2B5EF4-FFF2-40B4-BE49-F238E27FC236}">
+                <a16:creationId xmlns:a16="http://schemas.microsoft.com/office/drawing/2014/main" id="{BE66C801-6DE5-4107-8327-99A860FE0C92}"/>
+              </a:ext>
+            </a:extLst>
+          </p:cNvPr>
           <p:cNvCxnSpPr>
             <a:cxnSpLocks/>
-            <a:stCxn id="51" idx="0"/>
           </p:cNvCxnSpPr>
           <p:nvPr/>
         </p:nvCxnSpPr>
         <p:spPr>
           <a:xfrm flipH="1">
-            <a:off x="5860445" y="2591484"/>
-            <a:ext cx="36836" cy="2644578"/>
+            <a:off x="6914997" y="3501248"/>
+            <a:ext cx="36836" cy="1980000"/>
           </a:xfrm>
           <a:prstGeom prst="line">
             <a:avLst/>
@@ -3961,14 +4000,20 @@
       </p:cxnSp>
       <p:sp>
         <p:nvSpPr>
-          <p:cNvPr id="51" name="Rectangle 50"/>
+          <p:cNvPr id="12" name="Rectangle 11">
+            <a:extLst>
+              <a:ext uri="{FF2B5EF4-FFF2-40B4-BE49-F238E27FC236}">
+                <a16:creationId xmlns:a16="http://schemas.microsoft.com/office/drawing/2014/main" id="{A1762459-906F-48C6-9783-4EAF9FA4152A}"/>
+              </a:ext>
+            </a:extLst>
+          </p:cNvPr>
           <p:cNvSpPr/>
           <p:nvPr/>
         </p:nvSpPr>
         <p:spPr>
           <a:xfrm>
-            <a:off x="5821081" y="2591484"/>
-            <a:ext cx="152400" cy="276003"/>
+            <a:off x="6875633" y="3465016"/>
+            <a:ext cx="152400" cy="108000"/>
           </a:xfrm>
           <a:prstGeom prst="rect">
             <a:avLst/>
@@ -4102,194 +4147,22 @@
       </p:sp>
       <p:cxnSp>
         <p:nvCxnSpPr>
-          <p:cNvPr id="52" name="Straight Arrow Connector 51"/>
-          <p:cNvCxnSpPr/>
+          <p:cNvPr id="13" name="Straight Arrow Connector 12">
+            <a:extLst>
+              <a:ext uri="{FF2B5EF4-FFF2-40B4-BE49-F238E27FC236}">
+                <a16:creationId xmlns:a16="http://schemas.microsoft.com/office/drawing/2014/main" id="{405ECC31-AAA6-44CE-AEDC-667D15D2E376}"/>
+              </a:ext>
+            </a:extLst>
+          </p:cNvPr>
+          <p:cNvCxnSpPr>
+            <a:cxnSpLocks/>
+          </p:cNvCxnSpPr>
           <p:nvPr/>
         </p:nvCxnSpPr>
         <p:spPr>
           <a:xfrm>
-            <a:off x="563721" y="2239850"/>
-            <a:ext cx="1119851" cy="0"/>
-          </a:xfrm>
-          <a:prstGeom prst="straightConnector1">
-            <a:avLst/>
-          </a:prstGeom>
-          <a:ln w="19050">
-            <a:solidFill>
-              <a:srgbClr val="00B050"/>
-            </a:solidFill>
-            <a:tailEnd type="arrow"/>
-          </a:ln>
-        </p:spPr>
-        <p:style>
-          <a:lnRef idx="1">
-            <a:schemeClr val="accent1"/>
-          </a:lnRef>
-          <a:fillRef idx="0">
-            <a:schemeClr val="accent1"/>
-          </a:fillRef>
-          <a:effectRef idx="0">
-            <a:schemeClr val="accent1"/>
-          </a:effectRef>
-          <a:fontRef idx="minor">
-            <a:schemeClr val="tx1"/>
-          </a:fontRef>
-        </p:style>
-      </p:cxnSp>
-      <p:sp>
-        <p:nvSpPr>
-          <p:cNvPr id="53" name="TextBox 25"/>
-          <p:cNvSpPr txBox="1"/>
-          <p:nvPr/>
-        </p:nvSpPr>
-        <p:spPr>
-          <a:xfrm>
-            <a:off x="-9259" y="2258763"/>
-            <a:ext cx="1607276" cy="430887"/>
-          </a:xfrm>
-          <a:prstGeom prst="rect">
-            <a:avLst/>
-          </a:prstGeom>
-          <a:noFill/>
-        </p:spPr>
-        <p:txBody>
-          <a:bodyPr wrap="square" lIns="0" tIns="0" rIns="0" bIns="0" rtlCol="0">
-            <a:spAutoFit/>
-          </a:bodyPr>
-          <a:lstStyle>
-            <a:defPPr>
-              <a:defRPr lang="en-US"/>
-            </a:defPPr>
-            <a:lvl1pPr marL="0" algn="l" defTabSz="914400" rtl="0" eaLnBrk="1" latinLnBrk="0" hangingPunct="1">
-              <a:defRPr sz="1800" kern="1200">
-                <a:solidFill>
-                  <a:schemeClr val="tx1"/>
-                </a:solidFill>
-                <a:latin typeface="+mn-lt"/>
-                <a:ea typeface="+mn-ea"/>
-                <a:cs typeface="+mn-cs"/>
-              </a:defRPr>
-            </a:lvl1pPr>
-            <a:lvl2pPr marL="457200" algn="l" defTabSz="914400" rtl="0" eaLnBrk="1" latinLnBrk="0" hangingPunct="1">
-              <a:defRPr sz="1800" kern="1200">
-                <a:solidFill>
-                  <a:schemeClr val="tx1"/>
-                </a:solidFill>
-                <a:latin typeface="+mn-lt"/>
-                <a:ea typeface="+mn-ea"/>
-                <a:cs typeface="+mn-cs"/>
-              </a:defRPr>
-            </a:lvl2pPr>
-            <a:lvl3pPr marL="914400" algn="l" defTabSz="914400" rtl="0" eaLnBrk="1" latinLnBrk="0" hangingPunct="1">
-              <a:defRPr sz="1800" kern="1200">
-                <a:solidFill>
-                  <a:schemeClr val="tx1"/>
-                </a:solidFill>
-                <a:latin typeface="+mn-lt"/>
-                <a:ea typeface="+mn-ea"/>
-                <a:cs typeface="+mn-cs"/>
-              </a:defRPr>
-            </a:lvl3pPr>
-            <a:lvl4pPr marL="1371600" algn="l" defTabSz="914400" rtl="0" eaLnBrk="1" latinLnBrk="0" hangingPunct="1">
-              <a:defRPr sz="1800" kern="1200">
-                <a:solidFill>
-                  <a:schemeClr val="tx1"/>
-                </a:solidFill>
-                <a:latin typeface="+mn-lt"/>
-                <a:ea typeface="+mn-ea"/>
-                <a:cs typeface="+mn-cs"/>
-              </a:defRPr>
-            </a:lvl4pPr>
-            <a:lvl5pPr marL="1828800" algn="l" defTabSz="914400" rtl="0" eaLnBrk="1" latinLnBrk="0" hangingPunct="1">
-              <a:defRPr sz="1800" kern="1200">
-                <a:solidFill>
-                  <a:schemeClr val="tx1"/>
-                </a:solidFill>
-                <a:latin typeface="+mn-lt"/>
-                <a:ea typeface="+mn-ea"/>
-                <a:cs typeface="+mn-cs"/>
-              </a:defRPr>
-            </a:lvl5pPr>
-            <a:lvl6pPr marL="2286000" algn="l" defTabSz="914400" rtl="0" eaLnBrk="1" latinLnBrk="0" hangingPunct="1">
-              <a:defRPr sz="1800" kern="1200">
-                <a:solidFill>
-                  <a:schemeClr val="tx1"/>
-                </a:solidFill>
-                <a:latin typeface="+mn-lt"/>
-                <a:ea typeface="+mn-ea"/>
-                <a:cs typeface="+mn-cs"/>
-              </a:defRPr>
-            </a:lvl6pPr>
-            <a:lvl7pPr marL="2743200" algn="l" defTabSz="914400" rtl="0" eaLnBrk="1" latinLnBrk="0" hangingPunct="1">
-              <a:defRPr sz="1800" kern="1200">
-                <a:solidFill>
-                  <a:schemeClr val="tx1"/>
-                </a:solidFill>
-                <a:latin typeface="+mn-lt"/>
-                <a:ea typeface="+mn-ea"/>
-                <a:cs typeface="+mn-cs"/>
-              </a:defRPr>
-            </a:lvl7pPr>
-            <a:lvl8pPr marL="3200400" algn="l" defTabSz="914400" rtl="0" eaLnBrk="1" latinLnBrk="0" hangingPunct="1">
-              <a:defRPr sz="1800" kern="1200">
-                <a:solidFill>
-                  <a:schemeClr val="tx1"/>
-                </a:solidFill>
-                <a:latin typeface="+mn-lt"/>
-                <a:ea typeface="+mn-ea"/>
-                <a:cs typeface="+mn-cs"/>
-              </a:defRPr>
-            </a:lvl8pPr>
-            <a:lvl9pPr marL="3657600" algn="l" defTabSz="914400" rtl="0" eaLnBrk="1" latinLnBrk="0" hangingPunct="1">
-              <a:defRPr sz="1800" kern="1200">
-                <a:solidFill>
-                  <a:schemeClr val="tx1"/>
-                </a:solidFill>
-                <a:latin typeface="+mn-lt"/>
-                <a:ea typeface="+mn-ea"/>
-                <a:cs typeface="+mn-cs"/>
-              </a:defRPr>
-            </a:lvl9pPr>
-          </a:lstStyle>
-          <a:p>
-            <a:pPr algn="r"/>
-            <a:r>
-              <a:rPr lang="en-US" sz="1400" dirty="0">
-                <a:solidFill>
-                  <a:srgbClr val="0070C0"/>
-                </a:solidFill>
-              </a:rPr>
-              <a:t>execute(“</a:t>
-            </a:r>
-            <a:r>
-              <a:rPr lang="en-US" sz="1400" dirty="0" err="1">
-                <a:solidFill>
-                  <a:srgbClr val="0070C0"/>
-                </a:solidFill>
-              </a:rPr>
-              <a:t>deleteevent</a:t>
-            </a:r>
-            <a:r>
-              <a:rPr lang="en-US" sz="1400" dirty="0">
-                <a:solidFill>
-                  <a:srgbClr val="0070C0"/>
-                </a:solidFill>
-              </a:rPr>
-              <a:t> index”)</a:t>
-            </a:r>
-          </a:p>
-        </p:txBody>
-      </p:sp>
-      <p:cxnSp>
-        <p:nvCxnSpPr>
-          <p:cNvPr id="54" name="Straight Arrow Connector 53"/>
-          <p:cNvCxnSpPr/>
-          <p:nvPr/>
-        </p:nvCxnSpPr>
-        <p:spPr>
-          <a:xfrm flipV="1">
-            <a:off x="4431171" y="2490191"/>
-            <a:ext cx="922392" cy="1"/>
+            <a:off x="107504" y="2014127"/>
+            <a:ext cx="1013936" cy="0"/>
           </a:xfrm>
           <a:prstGeom prst="straightConnector1">
             <a:avLst/>
@@ -4316,16 +4189,359 @@
           </a:fontRef>
         </p:style>
       </p:cxnSp>
+      <p:sp>
+        <p:nvSpPr>
+          <p:cNvPr id="14" name="TextBox 25">
+            <a:extLst>
+              <a:ext uri="{FF2B5EF4-FFF2-40B4-BE49-F238E27FC236}">
+                <a16:creationId xmlns:a16="http://schemas.microsoft.com/office/drawing/2014/main" id="{FFC7DC9F-03B1-4007-906D-FF54031DD4AB}"/>
+              </a:ext>
+            </a:extLst>
+          </p:cNvPr>
+          <p:cNvSpPr txBox="1"/>
+          <p:nvPr/>
+        </p:nvSpPr>
+        <p:spPr>
+          <a:xfrm>
+            <a:off x="75579" y="1568309"/>
+            <a:ext cx="1080120" cy="369332"/>
+          </a:xfrm>
+          <a:prstGeom prst="rect">
+            <a:avLst/>
+          </a:prstGeom>
+          <a:noFill/>
+        </p:spPr>
+        <p:txBody>
+          <a:bodyPr wrap="square" lIns="0" tIns="0" rIns="0" bIns="0" rtlCol="0">
+            <a:spAutoFit/>
+          </a:bodyPr>
+          <a:lstStyle>
+            <a:defPPr>
+              <a:defRPr lang="en-US"/>
+            </a:defPPr>
+            <a:lvl1pPr marL="0" algn="l" defTabSz="914400" rtl="0" eaLnBrk="1" latinLnBrk="0" hangingPunct="1">
+              <a:defRPr sz="1800" kern="1200">
+                <a:solidFill>
+                  <a:schemeClr val="tx1"/>
+                </a:solidFill>
+                <a:latin typeface="+mn-lt"/>
+                <a:ea typeface="+mn-ea"/>
+                <a:cs typeface="+mn-cs"/>
+              </a:defRPr>
+            </a:lvl1pPr>
+            <a:lvl2pPr marL="457200" algn="l" defTabSz="914400" rtl="0" eaLnBrk="1" latinLnBrk="0" hangingPunct="1">
+              <a:defRPr sz="1800" kern="1200">
+                <a:solidFill>
+                  <a:schemeClr val="tx1"/>
+                </a:solidFill>
+                <a:latin typeface="+mn-lt"/>
+                <a:ea typeface="+mn-ea"/>
+                <a:cs typeface="+mn-cs"/>
+              </a:defRPr>
+            </a:lvl2pPr>
+            <a:lvl3pPr marL="914400" algn="l" defTabSz="914400" rtl="0" eaLnBrk="1" latinLnBrk="0" hangingPunct="1">
+              <a:defRPr sz="1800" kern="1200">
+                <a:solidFill>
+                  <a:schemeClr val="tx1"/>
+                </a:solidFill>
+                <a:latin typeface="+mn-lt"/>
+                <a:ea typeface="+mn-ea"/>
+                <a:cs typeface="+mn-cs"/>
+              </a:defRPr>
+            </a:lvl3pPr>
+            <a:lvl4pPr marL="1371600" algn="l" defTabSz="914400" rtl="0" eaLnBrk="1" latinLnBrk="0" hangingPunct="1">
+              <a:defRPr sz="1800" kern="1200">
+                <a:solidFill>
+                  <a:schemeClr val="tx1"/>
+                </a:solidFill>
+                <a:latin typeface="+mn-lt"/>
+                <a:ea typeface="+mn-ea"/>
+                <a:cs typeface="+mn-cs"/>
+              </a:defRPr>
+            </a:lvl4pPr>
+            <a:lvl5pPr marL="1828800" algn="l" defTabSz="914400" rtl="0" eaLnBrk="1" latinLnBrk="0" hangingPunct="1">
+              <a:defRPr sz="1800" kern="1200">
+                <a:solidFill>
+                  <a:schemeClr val="tx1"/>
+                </a:solidFill>
+                <a:latin typeface="+mn-lt"/>
+                <a:ea typeface="+mn-ea"/>
+                <a:cs typeface="+mn-cs"/>
+              </a:defRPr>
+            </a:lvl5pPr>
+            <a:lvl6pPr marL="2286000" algn="l" defTabSz="914400" rtl="0" eaLnBrk="1" latinLnBrk="0" hangingPunct="1">
+              <a:defRPr sz="1800" kern="1200">
+                <a:solidFill>
+                  <a:schemeClr val="tx1"/>
+                </a:solidFill>
+                <a:latin typeface="+mn-lt"/>
+                <a:ea typeface="+mn-ea"/>
+                <a:cs typeface="+mn-cs"/>
+              </a:defRPr>
+            </a:lvl6pPr>
+            <a:lvl7pPr marL="2743200" algn="l" defTabSz="914400" rtl="0" eaLnBrk="1" latinLnBrk="0" hangingPunct="1">
+              <a:defRPr sz="1800" kern="1200">
+                <a:solidFill>
+                  <a:schemeClr val="tx1"/>
+                </a:solidFill>
+                <a:latin typeface="+mn-lt"/>
+                <a:ea typeface="+mn-ea"/>
+                <a:cs typeface="+mn-cs"/>
+              </a:defRPr>
+            </a:lvl7pPr>
+            <a:lvl8pPr marL="3200400" algn="l" defTabSz="914400" rtl="0" eaLnBrk="1" latinLnBrk="0" hangingPunct="1">
+              <a:defRPr sz="1800" kern="1200">
+                <a:solidFill>
+                  <a:schemeClr val="tx1"/>
+                </a:solidFill>
+                <a:latin typeface="+mn-lt"/>
+                <a:ea typeface="+mn-ea"/>
+                <a:cs typeface="+mn-cs"/>
+              </a:defRPr>
+            </a:lvl8pPr>
+            <a:lvl9pPr marL="3657600" algn="l" defTabSz="914400" rtl="0" eaLnBrk="1" latinLnBrk="0" hangingPunct="1">
+              <a:defRPr sz="1800" kern="1200">
+                <a:solidFill>
+                  <a:schemeClr val="tx1"/>
+                </a:solidFill>
+                <a:latin typeface="+mn-lt"/>
+                <a:ea typeface="+mn-ea"/>
+                <a:cs typeface="+mn-cs"/>
+              </a:defRPr>
+            </a:lvl9pPr>
+          </a:lstStyle>
+          <a:p>
+            <a:r>
+              <a:rPr lang="en-US" sz="1200" dirty="0">
+                <a:solidFill>
+                  <a:srgbClr val="0070C0"/>
+                </a:solidFill>
+              </a:rPr>
+              <a:t>execute(“</a:t>
+            </a:r>
+            <a:r>
+              <a:rPr lang="en-US" sz="1200" dirty="0" err="1">
+                <a:solidFill>
+                  <a:srgbClr val="0070C0"/>
+                </a:solidFill>
+              </a:rPr>
+              <a:t>deleteevent</a:t>
+            </a:r>
+            <a:r>
+              <a:rPr lang="en-US" sz="1200" dirty="0">
+                <a:solidFill>
+                  <a:srgbClr val="0070C0"/>
+                </a:solidFill>
+              </a:rPr>
+              <a:t> index”)</a:t>
+            </a:r>
+          </a:p>
+        </p:txBody>
+      </p:sp>
       <p:cxnSp>
         <p:nvCxnSpPr>
-          <p:cNvPr id="56" name="Straight Arrow Connector 55"/>
+          <p:cNvPr id="15" name="Straight Arrow Connector 14">
+            <a:extLst>
+              <a:ext uri="{FF2B5EF4-FFF2-40B4-BE49-F238E27FC236}">
+                <a16:creationId xmlns:a16="http://schemas.microsoft.com/office/drawing/2014/main" id="{EE1F3717-DF8E-478F-8446-9DF106142356}"/>
+              </a:ext>
+            </a:extLst>
+          </p:cNvPr>
+          <p:cNvCxnSpPr/>
+          <p:nvPr/>
+        </p:nvCxnSpPr>
+        <p:spPr>
+          <a:xfrm flipV="1">
+            <a:off x="3149529" y="2204864"/>
+            <a:ext cx="1332000" cy="1"/>
+          </a:xfrm>
+          <a:prstGeom prst="straightConnector1">
+            <a:avLst/>
+          </a:prstGeom>
+          <a:ln w="19050">
+            <a:solidFill>
+              <a:srgbClr val="0070C0"/>
+            </a:solidFill>
+            <a:tailEnd type="arrow"/>
+          </a:ln>
+        </p:spPr>
+        <p:style>
+          <a:lnRef idx="1">
+            <a:schemeClr val="accent1"/>
+          </a:lnRef>
+          <a:fillRef idx="0">
+            <a:schemeClr val="accent1"/>
+          </a:fillRef>
+          <a:effectRef idx="0">
+            <a:schemeClr val="accent1"/>
+          </a:effectRef>
+          <a:fontRef idx="minor">
+            <a:schemeClr val="tx1"/>
+          </a:fontRef>
+        </p:style>
+      </p:cxnSp>
+      <p:sp>
+        <p:nvSpPr>
+          <p:cNvPr id="16" name="TextBox 28">
+            <a:extLst>
+              <a:ext uri="{FF2B5EF4-FFF2-40B4-BE49-F238E27FC236}">
+                <a16:creationId xmlns:a16="http://schemas.microsoft.com/office/drawing/2014/main" id="{801EEB0A-0BE9-48C6-831E-AFF151897996}"/>
+              </a:ext>
+            </a:extLst>
+          </p:cNvPr>
+          <p:cNvSpPr txBox="1"/>
+          <p:nvPr/>
+        </p:nvSpPr>
+        <p:spPr>
+          <a:xfrm>
+            <a:off x="3149529" y="4077072"/>
+            <a:ext cx="2851396" cy="246221"/>
+          </a:xfrm>
+          <a:prstGeom prst="rect">
+            <a:avLst/>
+          </a:prstGeom>
+          <a:noFill/>
+        </p:spPr>
+        <p:txBody>
+          <a:bodyPr wrap="square" lIns="0" tIns="0" rIns="0" bIns="0" rtlCol="0">
+            <a:spAutoFit/>
+          </a:bodyPr>
+          <a:lstStyle>
+            <a:defPPr>
+              <a:defRPr lang="en-US"/>
+            </a:defPPr>
+            <a:lvl1pPr marL="0" algn="l" defTabSz="914400" rtl="0" eaLnBrk="1" latinLnBrk="0" hangingPunct="1">
+              <a:defRPr sz="1800" kern="1200">
+                <a:solidFill>
+                  <a:schemeClr val="tx1"/>
+                </a:solidFill>
+                <a:latin typeface="+mn-lt"/>
+                <a:ea typeface="+mn-ea"/>
+                <a:cs typeface="+mn-cs"/>
+              </a:defRPr>
+            </a:lvl1pPr>
+            <a:lvl2pPr marL="457200" algn="l" defTabSz="914400" rtl="0" eaLnBrk="1" latinLnBrk="0" hangingPunct="1">
+              <a:defRPr sz="1800" kern="1200">
+                <a:solidFill>
+                  <a:schemeClr val="tx1"/>
+                </a:solidFill>
+                <a:latin typeface="+mn-lt"/>
+                <a:ea typeface="+mn-ea"/>
+                <a:cs typeface="+mn-cs"/>
+              </a:defRPr>
+            </a:lvl2pPr>
+            <a:lvl3pPr marL="914400" algn="l" defTabSz="914400" rtl="0" eaLnBrk="1" latinLnBrk="0" hangingPunct="1">
+              <a:defRPr sz="1800" kern="1200">
+                <a:solidFill>
+                  <a:schemeClr val="tx1"/>
+                </a:solidFill>
+                <a:latin typeface="+mn-lt"/>
+                <a:ea typeface="+mn-ea"/>
+                <a:cs typeface="+mn-cs"/>
+              </a:defRPr>
+            </a:lvl3pPr>
+            <a:lvl4pPr marL="1371600" algn="l" defTabSz="914400" rtl="0" eaLnBrk="1" latinLnBrk="0" hangingPunct="1">
+              <a:defRPr sz="1800" kern="1200">
+                <a:solidFill>
+                  <a:schemeClr val="tx1"/>
+                </a:solidFill>
+                <a:latin typeface="+mn-lt"/>
+                <a:ea typeface="+mn-ea"/>
+                <a:cs typeface="+mn-cs"/>
+              </a:defRPr>
+            </a:lvl4pPr>
+            <a:lvl5pPr marL="1828800" algn="l" defTabSz="914400" rtl="0" eaLnBrk="1" latinLnBrk="0" hangingPunct="1">
+              <a:defRPr sz="1800" kern="1200">
+                <a:solidFill>
+                  <a:schemeClr val="tx1"/>
+                </a:solidFill>
+                <a:latin typeface="+mn-lt"/>
+                <a:ea typeface="+mn-ea"/>
+                <a:cs typeface="+mn-cs"/>
+              </a:defRPr>
+            </a:lvl5pPr>
+            <a:lvl6pPr marL="2286000" algn="l" defTabSz="914400" rtl="0" eaLnBrk="1" latinLnBrk="0" hangingPunct="1">
+              <a:defRPr sz="1800" kern="1200">
+                <a:solidFill>
+                  <a:schemeClr val="tx1"/>
+                </a:solidFill>
+                <a:latin typeface="+mn-lt"/>
+                <a:ea typeface="+mn-ea"/>
+                <a:cs typeface="+mn-cs"/>
+              </a:defRPr>
+            </a:lvl6pPr>
+            <a:lvl7pPr marL="2743200" algn="l" defTabSz="914400" rtl="0" eaLnBrk="1" latinLnBrk="0" hangingPunct="1">
+              <a:defRPr sz="1800" kern="1200">
+                <a:solidFill>
+                  <a:schemeClr val="tx1"/>
+                </a:solidFill>
+                <a:latin typeface="+mn-lt"/>
+                <a:ea typeface="+mn-ea"/>
+                <a:cs typeface="+mn-cs"/>
+              </a:defRPr>
+            </a:lvl7pPr>
+            <a:lvl8pPr marL="3200400" algn="l" defTabSz="914400" rtl="0" eaLnBrk="1" latinLnBrk="0" hangingPunct="1">
+              <a:defRPr sz="1800" kern="1200">
+                <a:solidFill>
+                  <a:schemeClr val="tx1"/>
+                </a:solidFill>
+                <a:latin typeface="+mn-lt"/>
+                <a:ea typeface="+mn-ea"/>
+                <a:cs typeface="+mn-cs"/>
+              </a:defRPr>
+            </a:lvl8pPr>
+            <a:lvl9pPr marL="3657600" algn="l" defTabSz="914400" rtl="0" eaLnBrk="1" latinLnBrk="0" hangingPunct="1">
+              <a:defRPr sz="1800" kern="1200">
+                <a:solidFill>
+                  <a:schemeClr val="tx1"/>
+                </a:solidFill>
+                <a:latin typeface="+mn-lt"/>
+                <a:ea typeface="+mn-ea"/>
+                <a:cs typeface="+mn-cs"/>
+              </a:defRPr>
+            </a:lvl9pPr>
+          </a:lstStyle>
+          <a:p>
+            <a:r>
+              <a:rPr lang="en-SG" sz="1600" dirty="0" err="1">
+                <a:solidFill>
+                  <a:srgbClr val="0070C0"/>
+                </a:solidFill>
+              </a:rPr>
+              <a:t>executeUndoableCommand</a:t>
+            </a:r>
+            <a:r>
+              <a:rPr lang="en-SG" sz="1600" dirty="0">
+                <a:solidFill>
+                  <a:srgbClr val="0070C0"/>
+                </a:solidFill>
+              </a:rPr>
+              <a:t>()</a:t>
+            </a:r>
+            <a:endParaRPr lang="en-US" sz="1600" dirty="0">
+              <a:solidFill>
+                <a:srgbClr val="0070C0"/>
+              </a:solidFill>
+            </a:endParaRPr>
+          </a:p>
+        </p:txBody>
+      </p:sp>
+      <p:cxnSp>
+        <p:nvCxnSpPr>
+          <p:cNvPr id="17" name="Straight Arrow Connector 16">
+            <a:extLst>
+              <a:ext uri="{FF2B5EF4-FFF2-40B4-BE49-F238E27FC236}">
+                <a16:creationId xmlns:a16="http://schemas.microsoft.com/office/drawing/2014/main" id="{62271A90-8D62-4497-8893-406B076BEBE7}"/>
+              </a:ext>
+            </a:extLst>
+          </p:cNvPr>
           <p:cNvCxnSpPr/>
           <p:nvPr/>
         </p:nvCxnSpPr>
         <p:spPr>
           <a:xfrm>
-            <a:off x="4404307" y="2856083"/>
-            <a:ext cx="1492974" cy="0"/>
+            <a:off x="3149617" y="3717032"/>
+            <a:ext cx="2124000" cy="0"/>
           </a:xfrm>
           <a:prstGeom prst="straightConnector1">
             <a:avLst/>
@@ -4356,17 +4572,22 @@
       </p:cxnSp>
       <p:cxnSp>
         <p:nvCxnSpPr>
-          <p:cNvPr id="57" name="Straight Arrow Connector 56"/>
+          <p:cNvPr id="18" name="Straight Arrow Connector 17">
+            <a:extLst>
+              <a:ext uri="{FF2B5EF4-FFF2-40B4-BE49-F238E27FC236}">
+                <a16:creationId xmlns:a16="http://schemas.microsoft.com/office/drawing/2014/main" id="{B3F3E788-F5FE-436D-B51B-FAE310BD09FC}"/>
+              </a:ext>
+            </a:extLst>
+          </p:cNvPr>
           <p:cNvCxnSpPr>
             <a:cxnSpLocks/>
-            <a:endCxn id="49" idx="2"/>
           </p:cNvCxnSpPr>
           <p:nvPr/>
         </p:nvCxnSpPr>
         <p:spPr>
           <a:xfrm>
-            <a:off x="1835972" y="3111451"/>
-            <a:ext cx="2515011" cy="0"/>
+            <a:off x="1241169" y="3789040"/>
+            <a:ext cx="1746000" cy="0"/>
           </a:xfrm>
           <a:prstGeom prst="straightConnector1">
             <a:avLst/>
@@ -4397,14 +4618,22 @@
       </p:cxnSp>
       <p:cxnSp>
         <p:nvCxnSpPr>
-          <p:cNvPr id="58" name="Straight Arrow Connector 57"/>
-          <p:cNvCxnSpPr/>
+          <p:cNvPr id="19" name="Straight Arrow Connector 18">
+            <a:extLst>
+              <a:ext uri="{FF2B5EF4-FFF2-40B4-BE49-F238E27FC236}">
+                <a16:creationId xmlns:a16="http://schemas.microsoft.com/office/drawing/2014/main" id="{65D83185-3DA4-4192-AF36-F2E7E541F0EB}"/>
+              </a:ext>
+            </a:extLst>
+          </p:cNvPr>
+          <p:cNvCxnSpPr>
+            <a:cxnSpLocks/>
+          </p:cNvCxnSpPr>
           <p:nvPr/>
         </p:nvCxnSpPr>
         <p:spPr>
           <a:xfrm>
-            <a:off x="525620" y="5168851"/>
-            <a:ext cx="1196051" cy="0"/>
+            <a:off x="107504" y="5474299"/>
+            <a:ext cx="1052035" cy="0"/>
           </a:xfrm>
           <a:prstGeom prst="straightConnector1">
             <a:avLst/>
@@ -4435,14 +4664,20 @@
       </p:cxnSp>
       <p:sp>
         <p:nvSpPr>
-          <p:cNvPr id="59" name="Rectangle 58"/>
+          <p:cNvPr id="20" name="Rectangle 19">
+            <a:extLst>
+              <a:ext uri="{FF2B5EF4-FFF2-40B4-BE49-F238E27FC236}">
+                <a16:creationId xmlns:a16="http://schemas.microsoft.com/office/drawing/2014/main" id="{8A9C057C-9D7F-46F4-AF59-07483C053668}"/>
+              </a:ext>
+            </a:extLst>
+          </p:cNvPr>
           <p:cNvSpPr/>
           <p:nvPr/>
         </p:nvSpPr>
         <p:spPr>
           <a:xfrm>
-            <a:off x="5821687" y="3709164"/>
-            <a:ext cx="161322" cy="1307285"/>
+            <a:off x="6844249" y="4365224"/>
+            <a:ext cx="161322" cy="900000"/>
           </a:xfrm>
           <a:prstGeom prst="rect">
             <a:avLst/>
@@ -4576,14 +4811,20 @@
       </p:sp>
       <p:sp>
         <p:nvSpPr>
-          <p:cNvPr id="61" name="TextBox 78"/>
+          <p:cNvPr id="21" name="TextBox 78">
+            <a:extLst>
+              <a:ext uri="{FF2B5EF4-FFF2-40B4-BE49-F238E27FC236}">
+                <a16:creationId xmlns:a16="http://schemas.microsoft.com/office/drawing/2014/main" id="{BC5C6EB6-FDE5-4A20-BFBA-479B2A8E7FCE}"/>
+              </a:ext>
+            </a:extLst>
+          </p:cNvPr>
           <p:cNvSpPr txBox="1"/>
           <p:nvPr/>
         </p:nvSpPr>
         <p:spPr>
           <a:xfrm>
-            <a:off x="6221453" y="3751043"/>
-            <a:ext cx="1228040" cy="184628"/>
+            <a:off x="7145825" y="4437692"/>
+            <a:ext cx="1565496" cy="215444"/>
           </a:xfrm>
           <a:prstGeom prst="rect">
             <a:avLst/>
@@ -4691,26 +4932,40 @@
           </a:lstStyle>
           <a:p>
             <a:r>
-              <a:rPr lang="en-US" sz="1200" dirty="0" err="1"/>
+              <a:rPr lang="en-US" sz="1400" dirty="0" err="1">
+                <a:solidFill>
+                  <a:srgbClr val="0070C0"/>
+                </a:solidFill>
+              </a:rPr>
               <a:t>deleteEvent</a:t>
             </a:r>
             <a:r>
-              <a:rPr lang="en-US" sz="1200" dirty="0"/>
-              <a:t>(Event)</a:t>
-            </a:r>
-          </a:p>
-        </p:txBody>
-      </p:sp>
-      <p:sp>
-        <p:nvSpPr>
-          <p:cNvPr id="62" name="TextBox 79"/>
+              <a:rPr lang="en-US" sz="1400" dirty="0">
+                <a:solidFill>
+                  <a:srgbClr val="0070C0"/>
+                </a:solidFill>
+              </a:rPr>
+              <a:t>(event)</a:t>
+            </a:r>
+          </a:p>
+        </p:txBody>
+      </p:sp>
+      <p:sp>
+        <p:nvSpPr>
+          <p:cNvPr id="22" name="TextBox 79">
+            <a:extLst>
+              <a:ext uri="{FF2B5EF4-FFF2-40B4-BE49-F238E27FC236}">
+                <a16:creationId xmlns:a16="http://schemas.microsoft.com/office/drawing/2014/main" id="{77FA8B7E-A7D9-4957-B36C-21BE373F85A0}"/>
+              </a:ext>
+            </a:extLst>
+          </p:cNvPr>
           <p:cNvSpPr txBox="1"/>
           <p:nvPr/>
         </p:nvSpPr>
         <p:spPr>
           <a:xfrm>
-            <a:off x="1968993" y="2031615"/>
-            <a:ext cx="2235581" cy="553998"/>
+            <a:off x="1481480" y="1700809"/>
+            <a:ext cx="1420533" cy="369332"/>
           </a:xfrm>
           <a:prstGeom prst="rect">
             <a:avLst/>
@@ -4818,19 +5073,42 @@
           </a:lstStyle>
           <a:p>
             <a:r>
-              <a:rPr lang="en-US" dirty="0" err="1"/>
+              <a:rPr lang="en-US" sz="1200" dirty="0" err="1">
+                <a:solidFill>
+                  <a:srgbClr val="0070C0"/>
+                </a:solidFill>
+              </a:rPr>
               <a:t>parseCommand</a:t>
             </a:r>
-            <a:r>
-              <a:rPr lang="en-US" dirty="0"/>
+            <a:endParaRPr lang="en-US" sz="1200" dirty="0">
+              <a:solidFill>
+                <a:srgbClr val="0070C0"/>
+              </a:solidFill>
+            </a:endParaRPr>
+          </a:p>
+          <a:p>
+            <a:r>
+              <a:rPr lang="en-US" sz="1200" dirty="0">
+                <a:solidFill>
+                  <a:srgbClr val="0070C0"/>
+                </a:solidFill>
+              </a:rPr>
               <a:t>(“</a:t>
             </a:r>
             <a:r>
-              <a:rPr lang="en-US" dirty="0" err="1"/>
+              <a:rPr lang="en-US" sz="1200" dirty="0" err="1">
+                <a:solidFill>
+                  <a:srgbClr val="0070C0"/>
+                </a:solidFill>
+              </a:rPr>
               <a:t>deleteevent</a:t>
             </a:r>
             <a:r>
-              <a:rPr lang="en-US" dirty="0"/>
+              <a:rPr lang="en-US" sz="1200" dirty="0">
+                <a:solidFill>
+                  <a:srgbClr val="0070C0"/>
+                </a:solidFill>
+              </a:rPr>
               <a:t> index”)</a:t>
             </a:r>
           </a:p>
@@ -4838,14 +5116,20 @@
       </p:sp>
       <p:sp>
         <p:nvSpPr>
-          <p:cNvPr id="63" name="TextBox 81"/>
+          <p:cNvPr id="23" name="TextBox 81">
+            <a:extLst>
+              <a:ext uri="{FF2B5EF4-FFF2-40B4-BE49-F238E27FC236}">
+                <a16:creationId xmlns:a16="http://schemas.microsoft.com/office/drawing/2014/main" id="{A122640A-D694-4865-92BD-A466CFE8F6D6}"/>
+              </a:ext>
+            </a:extLst>
+          </p:cNvPr>
           <p:cNvSpPr txBox="1"/>
           <p:nvPr/>
         </p:nvSpPr>
         <p:spPr>
           <a:xfrm>
-            <a:off x="3567954" y="4768927"/>
-            <a:ext cx="621216" cy="215444"/>
+            <a:off x="3788305" y="5013176"/>
+            <a:ext cx="621216" cy="246221"/>
           </a:xfrm>
           <a:prstGeom prst="rect">
             <a:avLst/>
@@ -4953,7 +5237,11 @@
           </a:lstStyle>
           <a:p>
             <a:r>
-              <a:rPr lang="en-US" dirty="0"/>
+              <a:rPr lang="en-US" sz="1600" dirty="0">
+                <a:solidFill>
+                  <a:srgbClr val="0070C0"/>
+                </a:solidFill>
+              </a:rPr>
               <a:t>result</a:t>
             </a:r>
           </a:p>
@@ -4961,14 +5249,20 @@
       </p:sp>
       <p:sp>
         <p:nvSpPr>
-          <p:cNvPr id="64" name="TextBox 82"/>
+          <p:cNvPr id="24" name="TextBox 82">
+            <a:extLst>
+              <a:ext uri="{FF2B5EF4-FFF2-40B4-BE49-F238E27FC236}">
+                <a16:creationId xmlns:a16="http://schemas.microsoft.com/office/drawing/2014/main" id="{5FD76DFE-5FF0-430E-8FC6-554667A64F8F}"/>
+              </a:ext>
+            </a:extLst>
+          </p:cNvPr>
           <p:cNvSpPr txBox="1"/>
           <p:nvPr/>
         </p:nvSpPr>
         <p:spPr>
           <a:xfrm>
-            <a:off x="789891" y="4923752"/>
-            <a:ext cx="762000" cy="215444"/>
+            <a:off x="376603" y="5213100"/>
+            <a:ext cx="581362" cy="246221"/>
           </a:xfrm>
           <a:prstGeom prst="rect">
             <a:avLst/>
@@ -5076,7 +5370,11 @@
           </a:lstStyle>
           <a:p>
             <a:r>
-              <a:rPr lang="en-US" dirty="0"/>
+              <a:rPr lang="en-US" sz="1600" dirty="0">
+                <a:solidFill>
+                  <a:srgbClr val="0070C0"/>
+                </a:solidFill>
+              </a:rPr>
               <a:t>result</a:t>
             </a:r>
           </a:p>
@@ -5084,14 +5382,20 @@
       </p:sp>
       <p:sp>
         <p:nvSpPr>
-          <p:cNvPr id="68" name="TextBox 92"/>
+          <p:cNvPr id="25" name="TextBox 92">
+            <a:extLst>
+              <a:ext uri="{FF2B5EF4-FFF2-40B4-BE49-F238E27FC236}">
+                <a16:creationId xmlns:a16="http://schemas.microsoft.com/office/drawing/2014/main" id="{874FAFF5-541B-46DB-B6BC-BC3923DEB06E}"/>
+              </a:ext>
+            </a:extLst>
+          </p:cNvPr>
           <p:cNvSpPr txBox="1"/>
           <p:nvPr/>
         </p:nvSpPr>
         <p:spPr>
           <a:xfrm>
-            <a:off x="2869413" y="2883644"/>
-            <a:ext cx="318424" cy="276999"/>
+            <a:off x="2033257" y="3501008"/>
+            <a:ext cx="220343" cy="246221"/>
           </a:xfrm>
           <a:prstGeom prst="rect">
             <a:avLst/>
@@ -5199,7 +5503,11 @@
           </a:lstStyle>
           <a:p>
             <a:r>
-              <a:rPr lang="en-US" dirty="0"/>
+              <a:rPr lang="en-US" sz="1600" dirty="0">
+                <a:solidFill>
+                  <a:srgbClr val="0070C0"/>
+                </a:solidFill>
+              </a:rPr>
               <a:t>de</a:t>
             </a:r>
           </a:p>
@@ -5207,14 +5515,20 @@
       </p:sp>
       <p:sp>
         <p:nvSpPr>
-          <p:cNvPr id="69" name="Rectangle 68"/>
+          <p:cNvPr id="26" name="Rectangle 25">
+            <a:extLst>
+              <a:ext uri="{FF2B5EF4-FFF2-40B4-BE49-F238E27FC236}">
+                <a16:creationId xmlns:a16="http://schemas.microsoft.com/office/drawing/2014/main" id="{35411178-84AA-40D1-AB7F-4086A93356C8}"/>
+              </a:ext>
+            </a:extLst>
+          </p:cNvPr>
           <p:cNvSpPr/>
           <p:nvPr/>
         </p:nvSpPr>
         <p:spPr>
           <a:xfrm>
-            <a:off x="6717811" y="3210564"/>
-            <a:ext cx="1778201" cy="432035"/>
+            <a:off x="7570296" y="3900003"/>
+            <a:ext cx="1532191" cy="432035"/>
           </a:xfrm>
           <a:prstGeom prst="rect">
             <a:avLst/>
@@ -5348,15 +5662,7 @@
                   <a:schemeClr val="bg1"/>
                 </a:solidFill>
               </a:rPr>
-              <a:t>:</a:t>
-            </a:r>
-            <a:r>
-              <a:rPr lang="en-US" sz="1600" dirty="0" err="1">
-                <a:solidFill>
-                  <a:schemeClr val="bg1"/>
-                </a:solidFill>
-              </a:rPr>
-              <a:t>ModelManager</a:t>
+              <a:t>:ModelManager</a:t>
             </a:r>
             <a:endParaRPr lang="en-SG" sz="1600" dirty="0">
               <a:solidFill>
@@ -5368,7 +5674,13 @@
       </p:sp>
       <p:cxnSp>
         <p:nvCxnSpPr>
-          <p:cNvPr id="70" name="Straight Connector 69"/>
+          <p:cNvPr id="27" name="Straight Connector 26">
+            <a:extLst>
+              <a:ext uri="{FF2B5EF4-FFF2-40B4-BE49-F238E27FC236}">
+                <a16:creationId xmlns:a16="http://schemas.microsoft.com/office/drawing/2014/main" id="{57B8EEAD-B61E-4ABF-91E2-B8F66FB0B3BB}"/>
+              </a:ext>
+            </a:extLst>
+          </p:cNvPr>
           <p:cNvCxnSpPr>
             <a:cxnSpLocks/>
           </p:cNvCxnSpPr>
@@ -5376,8 +5688,8 @@
         </p:nvCxnSpPr>
         <p:spPr>
           <a:xfrm>
-            <a:off x="7648699" y="3633525"/>
-            <a:ext cx="0" cy="838201"/>
+            <a:off x="8616264" y="4365103"/>
+            <a:ext cx="0" cy="810121"/>
           </a:xfrm>
           <a:prstGeom prst="line">
             <a:avLst/>
@@ -5407,14 +5719,20 @@
       </p:cxnSp>
       <p:sp>
         <p:nvSpPr>
-          <p:cNvPr id="71" name="Rectangle 70"/>
+          <p:cNvPr id="28" name="Rectangle 27">
+            <a:extLst>
+              <a:ext uri="{FF2B5EF4-FFF2-40B4-BE49-F238E27FC236}">
+                <a16:creationId xmlns:a16="http://schemas.microsoft.com/office/drawing/2014/main" id="{48AD0939-AF3D-49EC-B0F5-8E0E474F3D2A}"/>
+              </a:ext>
+            </a:extLst>
+          </p:cNvPr>
           <p:cNvSpPr/>
           <p:nvPr/>
         </p:nvSpPr>
         <p:spPr>
           <a:xfrm>
-            <a:off x="7545777" y="3938326"/>
-            <a:ext cx="217409" cy="351475"/>
+            <a:off x="8513977" y="4725184"/>
+            <a:ext cx="217409" cy="288000"/>
           </a:xfrm>
           <a:prstGeom prst="rect">
             <a:avLst/>
@@ -5548,7 +5866,13 @@
       </p:sp>
       <p:cxnSp>
         <p:nvCxnSpPr>
-          <p:cNvPr id="72" name="Straight Arrow Connector 71"/>
+          <p:cNvPr id="29" name="Straight Arrow Connector 28">
+            <a:extLst>
+              <a:ext uri="{FF2B5EF4-FFF2-40B4-BE49-F238E27FC236}">
+                <a16:creationId xmlns:a16="http://schemas.microsoft.com/office/drawing/2014/main" id="{77CF88AF-D858-4E41-86FD-C3A917733065}"/>
+              </a:ext>
+            </a:extLst>
+          </p:cNvPr>
           <p:cNvCxnSpPr>
             <a:cxnSpLocks/>
           </p:cNvCxnSpPr>
@@ -5556,8 +5880,8 @@
         </p:nvCxnSpPr>
         <p:spPr>
           <a:xfrm>
-            <a:off x="5991576" y="3953195"/>
-            <a:ext cx="1554201" cy="0"/>
+            <a:off x="7001809" y="4713037"/>
+            <a:ext cx="1530000" cy="0"/>
           </a:xfrm>
           <a:prstGeom prst="straightConnector1">
             <a:avLst/>
@@ -5586,14 +5910,20 @@
       </p:cxnSp>
       <p:sp>
         <p:nvSpPr>
-          <p:cNvPr id="74" name="Rectangle 73"/>
+          <p:cNvPr id="30" name="Rectangle 29">
+            <a:extLst>
+              <a:ext uri="{FF2B5EF4-FFF2-40B4-BE49-F238E27FC236}">
+                <a16:creationId xmlns:a16="http://schemas.microsoft.com/office/drawing/2014/main" id="{08FC5640-FDF7-491D-AA0D-F9C0E672C217}"/>
+              </a:ext>
+            </a:extLst>
+          </p:cNvPr>
           <p:cNvSpPr/>
           <p:nvPr/>
         </p:nvSpPr>
         <p:spPr>
           <a:xfrm>
-            <a:off x="5331175" y="2238119"/>
-            <a:ext cx="1452417" cy="461538"/>
+            <a:off x="6353736" y="2996952"/>
+            <a:ext cx="1596811" cy="461538"/>
           </a:xfrm>
           <a:prstGeom prst="rect">
             <a:avLst/>
@@ -5754,10 +6084,10 @@
       </p:sp>
       <p:cxnSp>
         <p:nvCxnSpPr>
-          <p:cNvPr id="75" name="Straight Arrow Connector 74">
+          <p:cNvPr id="31" name="Straight Arrow Connector 30">
             <a:extLst>
               <a:ext uri="{FF2B5EF4-FFF2-40B4-BE49-F238E27FC236}">
-                <a16:creationId xmlns:a16="http://schemas.microsoft.com/office/drawing/2014/main" id="{39916E2E-195A-4DC8-B025-B05FA87E6796}"/>
+                <a16:creationId xmlns:a16="http://schemas.microsoft.com/office/drawing/2014/main" id="{6BAA9824-A93B-4E60-A6F7-6EA430B6E020}"/>
               </a:ext>
             </a:extLst>
           </p:cNvPr>
@@ -5768,8 +6098,8 @@
         </p:nvCxnSpPr>
         <p:spPr>
           <a:xfrm>
-            <a:off x="1835972" y="3709165"/>
-            <a:ext cx="3832164" cy="1"/>
+            <a:off x="1273840" y="4365103"/>
+            <a:ext cx="5580000" cy="1"/>
           </a:xfrm>
           <a:prstGeom prst="straightConnector1">
             <a:avLst/>
@@ -5798,10 +6128,10 @@
       </p:cxnSp>
       <p:cxnSp>
         <p:nvCxnSpPr>
-          <p:cNvPr id="76" name="Straight Arrow Connector 75">
+          <p:cNvPr id="32" name="Straight Arrow Connector 31">
             <a:extLst>
               <a:ext uri="{FF2B5EF4-FFF2-40B4-BE49-F238E27FC236}">
-                <a16:creationId xmlns:a16="http://schemas.microsoft.com/office/drawing/2014/main" id="{D881596E-177C-4FDC-8E60-CAB90B3D5FAB}"/>
+                <a16:creationId xmlns:a16="http://schemas.microsoft.com/office/drawing/2014/main" id="{C1331670-9C4D-4B12-9C99-DADED64E8AA0}"/>
               </a:ext>
             </a:extLst>
           </p:cNvPr>
@@ -5812,8 +6142,8 @@
         </p:nvCxnSpPr>
         <p:spPr>
           <a:xfrm>
-            <a:off x="1852866" y="2341769"/>
-            <a:ext cx="2420913" cy="0"/>
+            <a:off x="1241169" y="2116046"/>
+            <a:ext cx="1782000" cy="1"/>
           </a:xfrm>
           <a:prstGeom prst="straightConnector1">
             <a:avLst/>
@@ -5842,10 +6172,10 @@
       </p:cxnSp>
       <p:cxnSp>
         <p:nvCxnSpPr>
-          <p:cNvPr id="77" name="Straight Arrow Connector 76">
+          <p:cNvPr id="33" name="Straight Arrow Connector 32">
             <a:extLst>
               <a:ext uri="{FF2B5EF4-FFF2-40B4-BE49-F238E27FC236}">
-                <a16:creationId xmlns:a16="http://schemas.microsoft.com/office/drawing/2014/main" id="{7C9F21BC-13A9-471F-825A-2621FD36355F}"/>
+                <a16:creationId xmlns:a16="http://schemas.microsoft.com/office/drawing/2014/main" id="{077A334D-267F-479B-A982-0D4438AF5401}"/>
               </a:ext>
             </a:extLst>
           </p:cNvPr>
@@ -5856,8 +6186,8 @@
         </p:nvCxnSpPr>
         <p:spPr>
           <a:xfrm>
-            <a:off x="1836619" y="5014313"/>
-            <a:ext cx="3831517" cy="0"/>
+            <a:off x="1274486" y="5258562"/>
+            <a:ext cx="5580000" cy="0"/>
           </a:xfrm>
           <a:prstGeom prst="straightConnector1">
             <a:avLst/>
@@ -5888,10 +6218,10 @@
       </p:cxnSp>
       <p:cxnSp>
         <p:nvCxnSpPr>
-          <p:cNvPr id="78" name="Straight Arrow Connector 77">
+          <p:cNvPr id="34" name="Straight Arrow Connector 33">
             <a:extLst>
               <a:ext uri="{FF2B5EF4-FFF2-40B4-BE49-F238E27FC236}">
-                <a16:creationId xmlns:a16="http://schemas.microsoft.com/office/drawing/2014/main" id="{854D9FBB-2B36-4DC9-8B58-F7F177A8E586}"/>
+                <a16:creationId xmlns:a16="http://schemas.microsoft.com/office/drawing/2014/main" id="{F956FB1F-9848-4751-AC7C-6FF6D2289B08}"/>
               </a:ext>
             </a:extLst>
           </p:cNvPr>
@@ -5902,8 +6232,8 @@
         </p:nvCxnSpPr>
         <p:spPr>
           <a:xfrm>
-            <a:off x="6026483" y="4279862"/>
-            <a:ext cx="1519294" cy="0"/>
+            <a:off x="7001809" y="5013176"/>
+            <a:ext cx="1512000" cy="0"/>
           </a:xfrm>
           <a:prstGeom prst="straightConnector1">
             <a:avLst/>
@@ -5934,10 +6264,324 @@
       </p:cxnSp>
       <p:sp>
         <p:nvSpPr>
-          <p:cNvPr id="36" name="TextBox 28">
+          <p:cNvPr id="35" name="Rectangle 34">
             <a:extLst>
               <a:ext uri="{FF2B5EF4-FFF2-40B4-BE49-F238E27FC236}">
-                <a16:creationId xmlns:a16="http://schemas.microsoft.com/office/drawing/2014/main" id="{D5FB7F9D-71AE-4615-974C-2F35EDFC1093}"/>
+                <a16:creationId xmlns:a16="http://schemas.microsoft.com/office/drawing/2014/main" id="{70C59B95-9CA3-46C8-9718-C8E63F538DF2}"/>
+              </a:ext>
+            </a:extLst>
+          </p:cNvPr>
+          <p:cNvSpPr/>
+          <p:nvPr/>
+        </p:nvSpPr>
+        <p:spPr>
+          <a:xfrm>
+            <a:off x="4474436" y="1988840"/>
+            <a:ext cx="2671381" cy="467684"/>
+          </a:xfrm>
+          <a:prstGeom prst="rect">
+            <a:avLst/>
+          </a:prstGeom>
+          <a:solidFill>
+            <a:srgbClr val="0070C0"/>
+          </a:solidFill>
+          <a:ln w="19050">
+            <a:solidFill>
+              <a:srgbClr val="0070C0"/>
+            </a:solidFill>
+          </a:ln>
+          <a:effectLst/>
+        </p:spPr>
+        <p:style>
+          <a:lnRef idx="1">
+            <a:schemeClr val="accent2"/>
+          </a:lnRef>
+          <a:fillRef idx="2">
+            <a:schemeClr val="accent2"/>
+          </a:fillRef>
+          <a:effectRef idx="1">
+            <a:schemeClr val="accent2"/>
+          </a:effectRef>
+          <a:fontRef idx="minor">
+            <a:schemeClr val="dk1"/>
+          </a:fontRef>
+        </p:style>
+        <p:txBody>
+          <a:bodyPr rtlCol="0" anchor="ctr"/>
+          <a:lstStyle>
+            <a:defPPr>
+              <a:defRPr lang="en-US"/>
+            </a:defPPr>
+            <a:lvl1pPr marL="0" algn="l" defTabSz="914400" rtl="0" eaLnBrk="1" latinLnBrk="0" hangingPunct="1">
+              <a:defRPr sz="1800" kern="1200">
+                <a:solidFill>
+                  <a:schemeClr val="dk1"/>
+                </a:solidFill>
+                <a:latin typeface="+mn-lt"/>
+                <a:ea typeface="+mn-ea"/>
+                <a:cs typeface="+mn-cs"/>
+              </a:defRPr>
+            </a:lvl1pPr>
+            <a:lvl2pPr marL="457200" algn="l" defTabSz="914400" rtl="0" eaLnBrk="1" latinLnBrk="0" hangingPunct="1">
+              <a:defRPr sz="1800" kern="1200">
+                <a:solidFill>
+                  <a:schemeClr val="dk1"/>
+                </a:solidFill>
+                <a:latin typeface="+mn-lt"/>
+                <a:ea typeface="+mn-ea"/>
+                <a:cs typeface="+mn-cs"/>
+              </a:defRPr>
+            </a:lvl2pPr>
+            <a:lvl3pPr marL="914400" algn="l" defTabSz="914400" rtl="0" eaLnBrk="1" latinLnBrk="0" hangingPunct="1">
+              <a:defRPr sz="1800" kern="1200">
+                <a:solidFill>
+                  <a:schemeClr val="dk1"/>
+                </a:solidFill>
+                <a:latin typeface="+mn-lt"/>
+                <a:ea typeface="+mn-ea"/>
+                <a:cs typeface="+mn-cs"/>
+              </a:defRPr>
+            </a:lvl3pPr>
+            <a:lvl4pPr marL="1371600" algn="l" defTabSz="914400" rtl="0" eaLnBrk="1" latinLnBrk="0" hangingPunct="1">
+              <a:defRPr sz="1800" kern="1200">
+                <a:solidFill>
+                  <a:schemeClr val="dk1"/>
+                </a:solidFill>
+                <a:latin typeface="+mn-lt"/>
+                <a:ea typeface="+mn-ea"/>
+                <a:cs typeface="+mn-cs"/>
+              </a:defRPr>
+            </a:lvl4pPr>
+            <a:lvl5pPr marL="1828800" algn="l" defTabSz="914400" rtl="0" eaLnBrk="1" latinLnBrk="0" hangingPunct="1">
+              <a:defRPr sz="1800" kern="1200">
+                <a:solidFill>
+                  <a:schemeClr val="dk1"/>
+                </a:solidFill>
+                <a:latin typeface="+mn-lt"/>
+                <a:ea typeface="+mn-ea"/>
+                <a:cs typeface="+mn-cs"/>
+              </a:defRPr>
+            </a:lvl5pPr>
+            <a:lvl6pPr marL="2286000" algn="l" defTabSz="914400" rtl="0" eaLnBrk="1" latinLnBrk="0" hangingPunct="1">
+              <a:defRPr sz="1800" kern="1200">
+                <a:solidFill>
+                  <a:schemeClr val="dk1"/>
+                </a:solidFill>
+                <a:latin typeface="+mn-lt"/>
+                <a:ea typeface="+mn-ea"/>
+                <a:cs typeface="+mn-cs"/>
+              </a:defRPr>
+            </a:lvl6pPr>
+            <a:lvl7pPr marL="2743200" algn="l" defTabSz="914400" rtl="0" eaLnBrk="1" latinLnBrk="0" hangingPunct="1">
+              <a:defRPr sz="1800" kern="1200">
+                <a:solidFill>
+                  <a:schemeClr val="dk1"/>
+                </a:solidFill>
+                <a:latin typeface="+mn-lt"/>
+                <a:ea typeface="+mn-ea"/>
+                <a:cs typeface="+mn-cs"/>
+              </a:defRPr>
+            </a:lvl7pPr>
+            <a:lvl8pPr marL="3200400" algn="l" defTabSz="914400" rtl="0" eaLnBrk="1" latinLnBrk="0" hangingPunct="1">
+              <a:defRPr sz="1800" kern="1200">
+                <a:solidFill>
+                  <a:schemeClr val="dk1"/>
+                </a:solidFill>
+                <a:latin typeface="+mn-lt"/>
+                <a:ea typeface="+mn-ea"/>
+                <a:cs typeface="+mn-cs"/>
+              </a:defRPr>
+            </a:lvl8pPr>
+            <a:lvl9pPr marL="3657600" algn="l" defTabSz="914400" rtl="0" eaLnBrk="1" latinLnBrk="0" hangingPunct="1">
+              <a:defRPr sz="1800" kern="1200">
+                <a:solidFill>
+                  <a:schemeClr val="dk1"/>
+                </a:solidFill>
+                <a:latin typeface="+mn-lt"/>
+                <a:ea typeface="+mn-ea"/>
+                <a:cs typeface="+mn-cs"/>
+              </a:defRPr>
+            </a:lvl9pPr>
+          </a:lstStyle>
+          <a:p>
+            <a:pPr algn="ctr"/>
+            <a:r>
+              <a:rPr lang="en-US" sz="1600" dirty="0">
+                <a:solidFill>
+                  <a:schemeClr val="bg1"/>
+                </a:solidFill>
+              </a:rPr>
+              <a:t>:</a:t>
+            </a:r>
+            <a:r>
+              <a:rPr lang="en-US" sz="1600" dirty="0" err="1">
+                <a:solidFill>
+                  <a:schemeClr val="bg1"/>
+                </a:solidFill>
+              </a:rPr>
+              <a:t>DeleteEventCommandParser</a:t>
+            </a:r>
+            <a:endParaRPr lang="en-SG" sz="1600" dirty="0">
+              <a:solidFill>
+                <a:schemeClr val="bg1"/>
+              </a:solidFill>
+            </a:endParaRPr>
+          </a:p>
+        </p:txBody>
+      </p:sp>
+      <p:sp>
+        <p:nvSpPr>
+          <p:cNvPr id="36" name="Rectangle 35">
+            <a:extLst>
+              <a:ext uri="{FF2B5EF4-FFF2-40B4-BE49-F238E27FC236}">
+                <a16:creationId xmlns:a16="http://schemas.microsoft.com/office/drawing/2014/main" id="{B7E907A9-F807-4780-8B51-D9DDEAA8DB83}"/>
+              </a:ext>
+            </a:extLst>
+          </p:cNvPr>
+          <p:cNvSpPr/>
+          <p:nvPr/>
+        </p:nvSpPr>
+        <p:spPr>
+          <a:xfrm>
+            <a:off x="5273617" y="3195040"/>
+            <a:ext cx="152400" cy="522000"/>
+          </a:xfrm>
+          <a:prstGeom prst="rect">
+            <a:avLst/>
+          </a:prstGeom>
+          <a:solidFill>
+            <a:srgbClr val="0070C0"/>
+          </a:solidFill>
+          <a:ln>
+            <a:solidFill>
+              <a:srgbClr val="0070C0"/>
+            </a:solidFill>
+          </a:ln>
+          <a:effectLst/>
+        </p:spPr>
+        <p:style>
+          <a:lnRef idx="1">
+            <a:schemeClr val="accent3"/>
+          </a:lnRef>
+          <a:fillRef idx="2">
+            <a:schemeClr val="accent3"/>
+          </a:fillRef>
+          <a:effectRef idx="1">
+            <a:schemeClr val="accent3"/>
+          </a:effectRef>
+          <a:fontRef idx="minor">
+            <a:schemeClr val="dk1"/>
+          </a:fontRef>
+        </p:style>
+        <p:txBody>
+          <a:bodyPr rtlCol="0" anchor="ctr"/>
+          <a:lstStyle>
+            <a:defPPr>
+              <a:defRPr lang="en-US"/>
+            </a:defPPr>
+            <a:lvl1pPr marL="0" algn="l" defTabSz="914400" rtl="0" eaLnBrk="1" latinLnBrk="0" hangingPunct="1">
+              <a:defRPr sz="1800" kern="1200">
+                <a:solidFill>
+                  <a:schemeClr val="dk1"/>
+                </a:solidFill>
+                <a:latin typeface="+mn-lt"/>
+                <a:ea typeface="+mn-ea"/>
+                <a:cs typeface="+mn-cs"/>
+              </a:defRPr>
+            </a:lvl1pPr>
+            <a:lvl2pPr marL="457200" algn="l" defTabSz="914400" rtl="0" eaLnBrk="1" latinLnBrk="0" hangingPunct="1">
+              <a:defRPr sz="1800" kern="1200">
+                <a:solidFill>
+                  <a:schemeClr val="dk1"/>
+                </a:solidFill>
+                <a:latin typeface="+mn-lt"/>
+                <a:ea typeface="+mn-ea"/>
+                <a:cs typeface="+mn-cs"/>
+              </a:defRPr>
+            </a:lvl2pPr>
+            <a:lvl3pPr marL="914400" algn="l" defTabSz="914400" rtl="0" eaLnBrk="1" latinLnBrk="0" hangingPunct="1">
+              <a:defRPr sz="1800" kern="1200">
+                <a:solidFill>
+                  <a:schemeClr val="dk1"/>
+                </a:solidFill>
+                <a:latin typeface="+mn-lt"/>
+                <a:ea typeface="+mn-ea"/>
+                <a:cs typeface="+mn-cs"/>
+              </a:defRPr>
+            </a:lvl3pPr>
+            <a:lvl4pPr marL="1371600" algn="l" defTabSz="914400" rtl="0" eaLnBrk="1" latinLnBrk="0" hangingPunct="1">
+              <a:defRPr sz="1800" kern="1200">
+                <a:solidFill>
+                  <a:schemeClr val="dk1"/>
+                </a:solidFill>
+                <a:latin typeface="+mn-lt"/>
+                <a:ea typeface="+mn-ea"/>
+                <a:cs typeface="+mn-cs"/>
+              </a:defRPr>
+            </a:lvl4pPr>
+            <a:lvl5pPr marL="1828800" algn="l" defTabSz="914400" rtl="0" eaLnBrk="1" latinLnBrk="0" hangingPunct="1">
+              <a:defRPr sz="1800" kern="1200">
+                <a:solidFill>
+                  <a:schemeClr val="dk1"/>
+                </a:solidFill>
+                <a:latin typeface="+mn-lt"/>
+                <a:ea typeface="+mn-ea"/>
+                <a:cs typeface="+mn-cs"/>
+              </a:defRPr>
+            </a:lvl5pPr>
+            <a:lvl6pPr marL="2286000" algn="l" defTabSz="914400" rtl="0" eaLnBrk="1" latinLnBrk="0" hangingPunct="1">
+              <a:defRPr sz="1800" kern="1200">
+                <a:solidFill>
+                  <a:schemeClr val="dk1"/>
+                </a:solidFill>
+                <a:latin typeface="+mn-lt"/>
+                <a:ea typeface="+mn-ea"/>
+                <a:cs typeface="+mn-cs"/>
+              </a:defRPr>
+            </a:lvl6pPr>
+            <a:lvl7pPr marL="2743200" algn="l" defTabSz="914400" rtl="0" eaLnBrk="1" latinLnBrk="0" hangingPunct="1">
+              <a:defRPr sz="1800" kern="1200">
+                <a:solidFill>
+                  <a:schemeClr val="dk1"/>
+                </a:solidFill>
+                <a:latin typeface="+mn-lt"/>
+                <a:ea typeface="+mn-ea"/>
+                <a:cs typeface="+mn-cs"/>
+              </a:defRPr>
+            </a:lvl7pPr>
+            <a:lvl8pPr marL="3200400" algn="l" defTabSz="914400" rtl="0" eaLnBrk="1" latinLnBrk="0" hangingPunct="1">
+              <a:defRPr sz="1800" kern="1200">
+                <a:solidFill>
+                  <a:schemeClr val="dk1"/>
+                </a:solidFill>
+                <a:latin typeface="+mn-lt"/>
+                <a:ea typeface="+mn-ea"/>
+                <a:cs typeface="+mn-cs"/>
+              </a:defRPr>
+            </a:lvl8pPr>
+            <a:lvl9pPr marL="3657600" algn="l" defTabSz="914400" rtl="0" eaLnBrk="1" latinLnBrk="0" hangingPunct="1">
+              <a:defRPr sz="1800" kern="1200">
+                <a:solidFill>
+                  <a:schemeClr val="dk1"/>
+                </a:solidFill>
+                <a:latin typeface="+mn-lt"/>
+                <a:ea typeface="+mn-ea"/>
+                <a:cs typeface="+mn-cs"/>
+              </a:defRPr>
+            </a:lvl9pPr>
+          </a:lstStyle>
+          <a:p>
+            <a:pPr algn="ctr"/>
+            <a:endParaRPr lang="en-SG" sz="1400"/>
+          </a:p>
+        </p:txBody>
+      </p:sp>
+      <p:sp>
+        <p:nvSpPr>
+          <p:cNvPr id="37" name="TextBox 79">
+            <a:extLst>
+              <a:ext uri="{FF2B5EF4-FFF2-40B4-BE49-F238E27FC236}">
+                <a16:creationId xmlns:a16="http://schemas.microsoft.com/office/drawing/2014/main" id="{A8E8AAF7-F27E-4311-8CF1-A18E2D47CA0D}"/>
               </a:ext>
             </a:extLst>
           </p:cNvPr>
@@ -5946,8 +6590,8 @@
         </p:nvSpPr>
         <p:spPr>
           <a:xfrm>
-            <a:off x="2516928" y="3446164"/>
-            <a:ext cx="2823328" cy="276999"/>
+            <a:off x="3905464" y="2956302"/>
+            <a:ext cx="1023585" cy="184666"/>
           </a:xfrm>
           <a:prstGeom prst="rect">
             <a:avLst/>
@@ -6055,17 +6699,386 @@
           </a:lstStyle>
           <a:p>
             <a:r>
-              <a:rPr lang="en-US" dirty="0" err="1"/>
-              <a:t>executeUndoableCommand</a:t>
-            </a:r>
-            <a:r>
-              <a:rPr lang="en-US" dirty="0"/>
-              <a:t>()</a:t>
-            </a:r>
-          </a:p>
-        </p:txBody>
-      </p:sp>
+              <a:rPr lang="en-US" sz="1200" dirty="0">
+                <a:solidFill>
+                  <a:srgbClr val="0070C0"/>
+                </a:solidFill>
+              </a:rPr>
+              <a:t>parse(“index”)</a:t>
+            </a:r>
+          </a:p>
+        </p:txBody>
+      </p:sp>
+      <p:cxnSp>
+        <p:nvCxnSpPr>
+          <p:cNvPr id="38" name="Straight Arrow Connector 37">
+            <a:extLst>
+              <a:ext uri="{FF2B5EF4-FFF2-40B4-BE49-F238E27FC236}">
+                <a16:creationId xmlns:a16="http://schemas.microsoft.com/office/drawing/2014/main" id="{85C38601-49EB-4C58-83E6-085B9A560A13}"/>
+              </a:ext>
+            </a:extLst>
+          </p:cNvPr>
+          <p:cNvCxnSpPr/>
+          <p:nvPr/>
+        </p:nvCxnSpPr>
+        <p:spPr>
+          <a:xfrm flipV="1">
+            <a:off x="5435473" y="3284983"/>
+            <a:ext cx="928800" cy="1"/>
+          </a:xfrm>
+          <a:prstGeom prst="straightConnector1">
+            <a:avLst/>
+          </a:prstGeom>
+          <a:ln w="19050">
+            <a:solidFill>
+              <a:srgbClr val="0070C0"/>
+            </a:solidFill>
+            <a:tailEnd type="arrow"/>
+          </a:ln>
+        </p:spPr>
+        <p:style>
+          <a:lnRef idx="1">
+            <a:schemeClr val="accent1"/>
+          </a:lnRef>
+          <a:fillRef idx="0">
+            <a:schemeClr val="accent1"/>
+          </a:fillRef>
+          <a:effectRef idx="0">
+            <a:schemeClr val="accent1"/>
+          </a:effectRef>
+          <a:fontRef idx="minor">
+            <a:schemeClr val="tx1"/>
+          </a:fontRef>
+        </p:style>
+      </p:cxnSp>
+      <p:cxnSp>
+        <p:nvCxnSpPr>
+          <p:cNvPr id="39" name="Straight Connector 38">
+            <a:extLst>
+              <a:ext uri="{FF2B5EF4-FFF2-40B4-BE49-F238E27FC236}">
+                <a16:creationId xmlns:a16="http://schemas.microsoft.com/office/drawing/2014/main" id="{D36C1140-5926-4D0B-BFBE-ABFFD512BFE5}"/>
+              </a:ext>
+            </a:extLst>
+          </p:cNvPr>
+          <p:cNvCxnSpPr>
+            <a:cxnSpLocks/>
+          </p:cNvCxnSpPr>
+          <p:nvPr/>
+        </p:nvCxnSpPr>
+        <p:spPr>
+          <a:xfrm>
+            <a:off x="5345625" y="2420888"/>
+            <a:ext cx="0" cy="1440000"/>
+          </a:xfrm>
+          <a:prstGeom prst="line">
+            <a:avLst/>
+          </a:prstGeom>
+          <a:ln w="19050">
+            <a:solidFill>
+              <a:srgbClr val="0070C0"/>
+            </a:solidFill>
+            <a:prstDash val="sysDash"/>
+          </a:ln>
+          <a:effectLst/>
+        </p:spPr>
+        <p:style>
+          <a:lnRef idx="1">
+            <a:schemeClr val="accent1"/>
+          </a:lnRef>
+          <a:fillRef idx="2">
+            <a:schemeClr val="accent1"/>
+          </a:fillRef>
+          <a:effectRef idx="1">
+            <a:schemeClr val="accent1"/>
+          </a:effectRef>
+          <a:fontRef idx="minor">
+            <a:schemeClr val="dk1"/>
+          </a:fontRef>
+        </p:style>
+      </p:cxnSp>
+      <p:cxnSp>
+        <p:nvCxnSpPr>
+          <p:cNvPr id="40" name="Straight Arrow Connector 39">
+            <a:extLst>
+              <a:ext uri="{FF2B5EF4-FFF2-40B4-BE49-F238E27FC236}">
+                <a16:creationId xmlns:a16="http://schemas.microsoft.com/office/drawing/2014/main" id="{940B9E9B-32E1-454B-81DC-F4EC4FA7F527}"/>
+              </a:ext>
+            </a:extLst>
+          </p:cNvPr>
+          <p:cNvCxnSpPr/>
+          <p:nvPr/>
+        </p:nvCxnSpPr>
+        <p:spPr>
+          <a:xfrm>
+            <a:off x="5417633" y="3573016"/>
+            <a:ext cx="1458000" cy="0"/>
+          </a:xfrm>
+          <a:prstGeom prst="straightConnector1">
+            <a:avLst/>
+          </a:prstGeom>
+          <a:ln w="19050">
+            <a:solidFill>
+              <a:srgbClr val="0070C0"/>
+            </a:solidFill>
+            <a:prstDash val="sysDash"/>
+            <a:headEnd type="arrow" w="med" len="med"/>
+            <a:tailEnd type="none" w="med" len="med"/>
+          </a:ln>
+        </p:spPr>
+        <p:style>
+          <a:lnRef idx="1">
+            <a:schemeClr val="accent1"/>
+          </a:lnRef>
+          <a:fillRef idx="0">
+            <a:schemeClr val="accent1"/>
+          </a:fillRef>
+          <a:effectRef idx="0">
+            <a:schemeClr val="accent1"/>
+          </a:effectRef>
+          <a:fontRef idx="minor">
+            <a:schemeClr val="tx1"/>
+          </a:fontRef>
+        </p:style>
+      </p:cxnSp>
+      <p:sp>
+        <p:nvSpPr>
+          <p:cNvPr id="41" name="Rectangle 40">
+            <a:extLst>
+              <a:ext uri="{FF2B5EF4-FFF2-40B4-BE49-F238E27FC236}">
+                <a16:creationId xmlns:a16="http://schemas.microsoft.com/office/drawing/2014/main" id="{E44151C9-699D-401A-9965-0E54EA2D1338}"/>
+              </a:ext>
+            </a:extLst>
+          </p:cNvPr>
+          <p:cNvSpPr/>
+          <p:nvPr/>
+        </p:nvSpPr>
+        <p:spPr>
+          <a:xfrm>
+            <a:off x="5273617" y="2420888"/>
+            <a:ext cx="152400" cy="144000"/>
+          </a:xfrm>
+          <a:prstGeom prst="rect">
+            <a:avLst/>
+          </a:prstGeom>
+          <a:solidFill>
+            <a:srgbClr val="0070C0"/>
+          </a:solidFill>
+          <a:ln>
+            <a:solidFill>
+              <a:srgbClr val="0070C0"/>
+            </a:solidFill>
+          </a:ln>
+          <a:effectLst/>
+        </p:spPr>
+        <p:style>
+          <a:lnRef idx="1">
+            <a:schemeClr val="accent3"/>
+          </a:lnRef>
+          <a:fillRef idx="2">
+            <a:schemeClr val="accent3"/>
+          </a:fillRef>
+          <a:effectRef idx="1">
+            <a:schemeClr val="accent3"/>
+          </a:effectRef>
+          <a:fontRef idx="minor">
+            <a:schemeClr val="dk1"/>
+          </a:fontRef>
+        </p:style>
+        <p:txBody>
+          <a:bodyPr rtlCol="0" anchor="ctr"/>
+          <a:lstStyle>
+            <a:defPPr>
+              <a:defRPr lang="en-US"/>
+            </a:defPPr>
+            <a:lvl1pPr marL="0" algn="l" defTabSz="914400" rtl="0" eaLnBrk="1" latinLnBrk="0" hangingPunct="1">
+              <a:defRPr sz="1800" kern="1200">
+                <a:solidFill>
+                  <a:schemeClr val="dk1"/>
+                </a:solidFill>
+                <a:latin typeface="+mn-lt"/>
+                <a:ea typeface="+mn-ea"/>
+                <a:cs typeface="+mn-cs"/>
+              </a:defRPr>
+            </a:lvl1pPr>
+            <a:lvl2pPr marL="457200" algn="l" defTabSz="914400" rtl="0" eaLnBrk="1" latinLnBrk="0" hangingPunct="1">
+              <a:defRPr sz="1800" kern="1200">
+                <a:solidFill>
+                  <a:schemeClr val="dk1"/>
+                </a:solidFill>
+                <a:latin typeface="+mn-lt"/>
+                <a:ea typeface="+mn-ea"/>
+                <a:cs typeface="+mn-cs"/>
+              </a:defRPr>
+            </a:lvl2pPr>
+            <a:lvl3pPr marL="914400" algn="l" defTabSz="914400" rtl="0" eaLnBrk="1" latinLnBrk="0" hangingPunct="1">
+              <a:defRPr sz="1800" kern="1200">
+                <a:solidFill>
+                  <a:schemeClr val="dk1"/>
+                </a:solidFill>
+                <a:latin typeface="+mn-lt"/>
+                <a:ea typeface="+mn-ea"/>
+                <a:cs typeface="+mn-cs"/>
+              </a:defRPr>
+            </a:lvl3pPr>
+            <a:lvl4pPr marL="1371600" algn="l" defTabSz="914400" rtl="0" eaLnBrk="1" latinLnBrk="0" hangingPunct="1">
+              <a:defRPr sz="1800" kern="1200">
+                <a:solidFill>
+                  <a:schemeClr val="dk1"/>
+                </a:solidFill>
+                <a:latin typeface="+mn-lt"/>
+                <a:ea typeface="+mn-ea"/>
+                <a:cs typeface="+mn-cs"/>
+              </a:defRPr>
+            </a:lvl4pPr>
+            <a:lvl5pPr marL="1828800" algn="l" defTabSz="914400" rtl="0" eaLnBrk="1" latinLnBrk="0" hangingPunct="1">
+              <a:defRPr sz="1800" kern="1200">
+                <a:solidFill>
+                  <a:schemeClr val="dk1"/>
+                </a:solidFill>
+                <a:latin typeface="+mn-lt"/>
+                <a:ea typeface="+mn-ea"/>
+                <a:cs typeface="+mn-cs"/>
+              </a:defRPr>
+            </a:lvl5pPr>
+            <a:lvl6pPr marL="2286000" algn="l" defTabSz="914400" rtl="0" eaLnBrk="1" latinLnBrk="0" hangingPunct="1">
+              <a:defRPr sz="1800" kern="1200">
+                <a:solidFill>
+                  <a:schemeClr val="dk1"/>
+                </a:solidFill>
+                <a:latin typeface="+mn-lt"/>
+                <a:ea typeface="+mn-ea"/>
+                <a:cs typeface="+mn-cs"/>
+              </a:defRPr>
+            </a:lvl6pPr>
+            <a:lvl7pPr marL="2743200" algn="l" defTabSz="914400" rtl="0" eaLnBrk="1" latinLnBrk="0" hangingPunct="1">
+              <a:defRPr sz="1800" kern="1200">
+                <a:solidFill>
+                  <a:schemeClr val="dk1"/>
+                </a:solidFill>
+                <a:latin typeface="+mn-lt"/>
+                <a:ea typeface="+mn-ea"/>
+                <a:cs typeface="+mn-cs"/>
+              </a:defRPr>
+            </a:lvl7pPr>
+            <a:lvl8pPr marL="3200400" algn="l" defTabSz="914400" rtl="0" eaLnBrk="1" latinLnBrk="0" hangingPunct="1">
+              <a:defRPr sz="1800" kern="1200">
+                <a:solidFill>
+                  <a:schemeClr val="dk1"/>
+                </a:solidFill>
+                <a:latin typeface="+mn-lt"/>
+                <a:ea typeface="+mn-ea"/>
+                <a:cs typeface="+mn-cs"/>
+              </a:defRPr>
+            </a:lvl8pPr>
+            <a:lvl9pPr marL="3657600" algn="l" defTabSz="914400" rtl="0" eaLnBrk="1" latinLnBrk="0" hangingPunct="1">
+              <a:defRPr sz="1800" kern="1200">
+                <a:solidFill>
+                  <a:schemeClr val="dk1"/>
+                </a:solidFill>
+                <a:latin typeface="+mn-lt"/>
+                <a:ea typeface="+mn-ea"/>
+                <a:cs typeface="+mn-cs"/>
+              </a:defRPr>
+            </a:lvl9pPr>
+          </a:lstStyle>
+          <a:p>
+            <a:pPr algn="ctr"/>
+            <a:endParaRPr lang="en-SG" sz="1400"/>
+          </a:p>
+        </p:txBody>
+      </p:sp>
+      <p:cxnSp>
+        <p:nvCxnSpPr>
+          <p:cNvPr id="42" name="Straight Arrow Connector 41">
+            <a:extLst>
+              <a:ext uri="{FF2B5EF4-FFF2-40B4-BE49-F238E27FC236}">
+                <a16:creationId xmlns:a16="http://schemas.microsoft.com/office/drawing/2014/main" id="{672B4CCF-6FA9-4D35-9806-3E9F37D3EF58}"/>
+              </a:ext>
+            </a:extLst>
+          </p:cNvPr>
+          <p:cNvCxnSpPr/>
+          <p:nvPr/>
+        </p:nvCxnSpPr>
+        <p:spPr>
+          <a:xfrm>
+            <a:off x="3149617" y="2564904"/>
+            <a:ext cx="2124000" cy="0"/>
+          </a:xfrm>
+          <a:prstGeom prst="straightConnector1">
+            <a:avLst/>
+          </a:prstGeom>
+          <a:ln w="19050">
+            <a:solidFill>
+              <a:srgbClr val="0070C0"/>
+            </a:solidFill>
+            <a:prstDash val="sysDash"/>
+            <a:headEnd type="arrow" w="med" len="med"/>
+            <a:tailEnd type="none" w="med" len="med"/>
+          </a:ln>
+        </p:spPr>
+        <p:style>
+          <a:lnRef idx="1">
+            <a:schemeClr val="accent1"/>
+          </a:lnRef>
+          <a:fillRef idx="0">
+            <a:schemeClr val="accent1"/>
+          </a:fillRef>
+          <a:effectRef idx="0">
+            <a:schemeClr val="accent1"/>
+          </a:effectRef>
+          <a:fontRef idx="minor">
+            <a:schemeClr val="tx1"/>
+          </a:fontRef>
+        </p:style>
+      </p:cxnSp>
+      <p:cxnSp>
+        <p:nvCxnSpPr>
+          <p:cNvPr id="43" name="Straight Arrow Connector 42">
+            <a:extLst>
+              <a:ext uri="{FF2B5EF4-FFF2-40B4-BE49-F238E27FC236}">
+                <a16:creationId xmlns:a16="http://schemas.microsoft.com/office/drawing/2014/main" id="{1063D64C-D990-4616-BF37-45F87CBFEFC0}"/>
+              </a:ext>
+            </a:extLst>
+          </p:cNvPr>
+          <p:cNvCxnSpPr/>
+          <p:nvPr/>
+        </p:nvCxnSpPr>
+        <p:spPr>
+          <a:xfrm flipV="1">
+            <a:off x="3149529" y="3212975"/>
+            <a:ext cx="2142000" cy="1"/>
+          </a:xfrm>
+          <a:prstGeom prst="straightConnector1">
+            <a:avLst/>
+          </a:prstGeom>
+          <a:ln w="19050">
+            <a:solidFill>
+              <a:srgbClr val="0070C0"/>
+            </a:solidFill>
+            <a:tailEnd type="arrow"/>
+          </a:ln>
+        </p:spPr>
+        <p:style>
+          <a:lnRef idx="1">
+            <a:schemeClr val="accent1"/>
+          </a:lnRef>
+          <a:fillRef idx="0">
+            <a:schemeClr val="accent1"/>
+          </a:fillRef>
+          <a:effectRef idx="0">
+            <a:schemeClr val="accent1"/>
+          </a:effectRef>
+          <a:fontRef idx="minor">
+            <a:schemeClr val="tx1"/>
+          </a:fontRef>
+        </p:style>
+      </p:cxnSp>
     </p:spTree>
+    <p:extLst>
+      <p:ext uri="{BB962C8B-B14F-4D97-AF65-F5344CB8AC3E}">
+        <p14:creationId xmlns:p14="http://schemas.microsoft.com/office/powerpoint/2010/main" val="1254595229"/>
+      </p:ext>
+    </p:extLst>
   </p:cSld>
   <p:clrMapOvr>
     <a:masterClrMapping/>
